--- a/GIF Animation Source.pptx
+++ b/GIF Animation Source.pptx
@@ -123,6 +123,43 @@
 </p:presentation>
 </file>
 
+<file path=ppt/changesInfos/changesInfo1.xml><?xml version="1.0" encoding="utf-8"?>
+<pc:chgInfo xmlns:a="http://schemas.openxmlformats.org/drawingml/2006/main" xmlns:r="http://schemas.openxmlformats.org/officeDocument/2006/relationships" xmlns:ac="http://schemas.microsoft.com/office/drawing/2013/main/command" xmlns:pc="http://schemas.microsoft.com/office/powerpoint/2013/main/command">
+  <pc:docChgLst>
+    <pc:chgData name="Jamie Wilkie" userId="4170e9d6-8912-48df-b0d8-fc6f2ddfdad2" providerId="ADAL" clId="{EFD5F51C-25C1-49E4-A1C6-3CEA39918B45}"/>
+    <pc:docChg chg="modSld">
+      <pc:chgData name="Jamie Wilkie" userId="4170e9d6-8912-48df-b0d8-fc6f2ddfdad2" providerId="ADAL" clId="{EFD5F51C-25C1-49E4-A1C6-3CEA39918B45}" dt="2023-04-15T04:35:54.047" v="2" actId="14100"/>
+      <pc:docMkLst>
+        <pc:docMk/>
+      </pc:docMkLst>
+      <pc:sldChg chg="modSp mod">
+        <pc:chgData name="Jamie Wilkie" userId="4170e9d6-8912-48df-b0d8-fc6f2ddfdad2" providerId="ADAL" clId="{EFD5F51C-25C1-49E4-A1C6-3CEA39918B45}" dt="2023-04-15T04:35:54.047" v="2" actId="14100"/>
+        <pc:sldMkLst>
+          <pc:docMk/>
+          <pc:sldMk cId="1569633221" sldId="256"/>
+        </pc:sldMkLst>
+        <pc:spChg chg="mod">
+          <ac:chgData name="Jamie Wilkie" userId="4170e9d6-8912-48df-b0d8-fc6f2ddfdad2" providerId="ADAL" clId="{EFD5F51C-25C1-49E4-A1C6-3CEA39918B45}" dt="2023-04-15T04:35:54.047" v="2" actId="14100"/>
+          <ac:spMkLst>
+            <pc:docMk/>
+            <pc:sldMk cId="1569633221" sldId="256"/>
+            <ac:spMk id="36" creationId="{D44AE9DD-6EC8-1144-1DA3-2F025BFAA235}"/>
+          </ac:spMkLst>
+        </pc:spChg>
+        <pc:spChg chg="mod">
+          <ac:chgData name="Jamie Wilkie" userId="4170e9d6-8912-48df-b0d8-fc6f2ddfdad2" providerId="ADAL" clId="{EFD5F51C-25C1-49E4-A1C6-3CEA39918B45}" dt="2023-04-15T04:35:54.047" v="2" actId="14100"/>
+          <ac:spMkLst>
+            <pc:docMk/>
+            <pc:sldMk cId="1569633221" sldId="256"/>
+            <ac:spMk id="37" creationId="{B1D9808F-0B99-1261-773B-B88B9B15EC0C}"/>
+          </ac:spMkLst>
+        </pc:spChg>
+      </pc:sldChg>
+    </pc:docChg>
+  </pc:docChgLst>
+</pc:chgInfo>
+</file>
+
 <file path=ppt/slideLayouts/slideLayout1.xml><?xml version="1.0" encoding="utf-8"?>
 <p:sldLayout xmlns:a="http://schemas.openxmlformats.org/drawingml/2006/main" xmlns:r="http://schemas.openxmlformats.org/officeDocument/2006/relationships" xmlns:p="http://schemas.openxmlformats.org/presentationml/2006/main" type="title" preserve="1">
   <p:cSld name="Title Slide">
@@ -254,7 +291,7 @@
           <a:p>
             <a:fld id="{3310F2CF-1DDD-4035-9A93-7162BECD5AFC}" type="datetimeFigureOut">
               <a:rPr lang="en-US" smtClean="0"/>
-              <a:t>4/6/2023</a:t>
+              <a:t>4/14/2023</a:t>
             </a:fld>
             <a:endParaRPr lang="en-US"/>
           </a:p>
@@ -424,7 +461,7 @@
           <a:p>
             <a:fld id="{3310F2CF-1DDD-4035-9A93-7162BECD5AFC}" type="datetimeFigureOut">
               <a:rPr lang="en-US" smtClean="0"/>
-              <a:t>4/6/2023</a:t>
+              <a:t>4/14/2023</a:t>
             </a:fld>
             <a:endParaRPr lang="en-US"/>
           </a:p>
@@ -604,7 +641,7 @@
           <a:p>
             <a:fld id="{3310F2CF-1DDD-4035-9A93-7162BECD5AFC}" type="datetimeFigureOut">
               <a:rPr lang="en-US" smtClean="0"/>
-              <a:t>4/6/2023</a:t>
+              <a:t>4/14/2023</a:t>
             </a:fld>
             <a:endParaRPr lang="en-US"/>
           </a:p>
@@ -774,7 +811,7 @@
           <a:p>
             <a:fld id="{3310F2CF-1DDD-4035-9A93-7162BECD5AFC}" type="datetimeFigureOut">
               <a:rPr lang="en-US" smtClean="0"/>
-              <a:t>4/6/2023</a:t>
+              <a:t>4/14/2023</a:t>
             </a:fld>
             <a:endParaRPr lang="en-US"/>
           </a:p>
@@ -1020,7 +1057,7 @@
           <a:p>
             <a:fld id="{3310F2CF-1DDD-4035-9A93-7162BECD5AFC}" type="datetimeFigureOut">
               <a:rPr lang="en-US" smtClean="0"/>
-              <a:t>4/6/2023</a:t>
+              <a:t>4/14/2023</a:t>
             </a:fld>
             <a:endParaRPr lang="en-US"/>
           </a:p>
@@ -1252,7 +1289,7 @@
           <a:p>
             <a:fld id="{3310F2CF-1DDD-4035-9A93-7162BECD5AFC}" type="datetimeFigureOut">
               <a:rPr lang="en-US" smtClean="0"/>
-              <a:t>4/6/2023</a:t>
+              <a:t>4/14/2023</a:t>
             </a:fld>
             <a:endParaRPr lang="en-US"/>
           </a:p>
@@ -1619,7 +1656,7 @@
           <a:p>
             <a:fld id="{3310F2CF-1DDD-4035-9A93-7162BECD5AFC}" type="datetimeFigureOut">
               <a:rPr lang="en-US" smtClean="0"/>
-              <a:t>4/6/2023</a:t>
+              <a:t>4/14/2023</a:t>
             </a:fld>
             <a:endParaRPr lang="en-US"/>
           </a:p>
@@ -1737,7 +1774,7 @@
           <a:p>
             <a:fld id="{3310F2CF-1DDD-4035-9A93-7162BECD5AFC}" type="datetimeFigureOut">
               <a:rPr lang="en-US" smtClean="0"/>
-              <a:t>4/6/2023</a:t>
+              <a:t>4/14/2023</a:t>
             </a:fld>
             <a:endParaRPr lang="en-US"/>
           </a:p>
@@ -1832,7 +1869,7 @@
           <a:p>
             <a:fld id="{3310F2CF-1DDD-4035-9A93-7162BECD5AFC}" type="datetimeFigureOut">
               <a:rPr lang="en-US" smtClean="0"/>
-              <a:t>4/6/2023</a:t>
+              <a:t>4/14/2023</a:t>
             </a:fld>
             <a:endParaRPr lang="en-US"/>
           </a:p>
@@ -2109,7 +2146,7 @@
           <a:p>
             <a:fld id="{3310F2CF-1DDD-4035-9A93-7162BECD5AFC}" type="datetimeFigureOut">
               <a:rPr lang="en-US" smtClean="0"/>
-              <a:t>4/6/2023</a:t>
+              <a:t>4/14/2023</a:t>
             </a:fld>
             <a:endParaRPr lang="en-US"/>
           </a:p>
@@ -2366,7 +2403,7 @@
           <a:p>
             <a:fld id="{3310F2CF-1DDD-4035-9A93-7162BECD5AFC}" type="datetimeFigureOut">
               <a:rPr lang="en-US" smtClean="0"/>
-              <a:t>4/6/2023</a:t>
+              <a:t>4/14/2023</a:t>
             </a:fld>
             <a:endParaRPr lang="en-US"/>
           </a:p>
@@ -2579,7 +2616,7 @@
           <a:p>
             <a:fld id="{3310F2CF-1DDD-4035-9A93-7162BECD5AFC}" type="datetimeFigureOut">
               <a:rPr lang="en-US" smtClean="0"/>
-              <a:t>4/6/2023</a:t>
+              <a:t>4/14/2023</a:t>
             </a:fld>
             <a:endParaRPr lang="en-US"/>
           </a:p>
@@ -4526,8 +4563,8 @@
         </p:nvSpPr>
         <p:spPr>
           <a:xfrm>
-            <a:off x="3657601" y="3252379"/>
-            <a:ext cx="7900988" cy="646331"/>
+            <a:off x="5134263" y="3252379"/>
+            <a:ext cx="6424326" cy="646331"/>
           </a:xfrm>
           <a:prstGeom prst="rect">
             <a:avLst/>
@@ -4549,7 +4586,7 @@
                 <a:ea typeface="Calibri" panose="020F0502020204030204" pitchFamily="34" charset="0"/>
                 <a:cs typeface="Calibri" panose="020F0502020204030204" pitchFamily="34" charset="0"/>
               </a:rPr>
-              <a:t>Taxes can be confusing and polarizing…</a:t>
+              <a:t>Taxes can be confusing…</a:t>
             </a:r>
           </a:p>
         </p:txBody>
@@ -4568,8 +4605,8 @@
         </p:nvSpPr>
         <p:spPr>
           <a:xfrm>
-            <a:off x="3657601" y="3736467"/>
-            <a:ext cx="7900988" cy="646331"/>
+            <a:off x="5134263" y="3736467"/>
+            <a:ext cx="6424326" cy="646331"/>
           </a:xfrm>
           <a:prstGeom prst="rect">
             <a:avLst/>
